--- a/JS_SYNTAX.pptx
+++ b/JS_SYNTAX.pptx
@@ -1489,7 +1489,7 @@
               <a:pPr>
                 <a:defRPr/>
               </a:pPr>
-              <a:t>25/04/2020</a:t>
+              <a:t>28/04/2020</a:t>
             </a:fld>
             <a:endParaRPr lang="en-GB"/>
           </a:p>
@@ -23392,7 +23392,7 @@
         </p:blipFill>
         <p:spPr>
           <a:xfrm>
-            <a:off x="685800" y="3070523"/>
+            <a:off x="685800" y="2957234"/>
             <a:ext cx="4937570" cy="837823"/>
           </a:xfrm>
           <a:prstGeom prst="rect">
@@ -23592,7 +23592,7 @@
         </p:nvSpPr>
         <p:spPr>
           <a:xfrm>
-            <a:off x="676471" y="4267059"/>
+            <a:off x="676471" y="3932961"/>
             <a:ext cx="4621778" cy="369332"/>
           </a:xfrm>
           <a:prstGeom prst="rect">
@@ -23673,7 +23673,7 @@
         </p:nvSpPr>
         <p:spPr>
           <a:xfrm>
-            <a:off x="676471" y="2743350"/>
+            <a:off x="676471" y="2635793"/>
             <a:ext cx="4891083" cy="369332"/>
           </a:xfrm>
           <a:prstGeom prst="rect">
@@ -23755,7 +23755,7 @@
         </p:blipFill>
         <p:spPr>
           <a:xfrm>
-            <a:off x="685800" y="4636391"/>
+            <a:off x="685800" y="4295059"/>
             <a:ext cx="5916704" cy="777624"/>
           </a:xfrm>
           <a:prstGeom prst="rect">
@@ -23802,6 +23802,112 @@
               </a14:hiddenFill>
             </a:ext>
           </a:extLst>
+        </p:spPr>
+      </p:pic>
+      <p:sp>
+        <p:nvSpPr>
+          <p:cNvPr id="3" name="TextBox 2"/>
+          <p:cNvSpPr txBox="1"/>
+          <p:nvPr/>
+        </p:nvSpPr>
+        <p:spPr>
+          <a:xfrm>
+            <a:off x="676471" y="5270993"/>
+            <a:ext cx="4878259" cy="369332"/>
+          </a:xfrm>
+          <a:prstGeom prst="rect">
+            <a:avLst/>
+          </a:prstGeom>
+          <a:noFill/>
+        </p:spPr>
+        <p:txBody>
+          <a:bodyPr wrap="none" rtlCol="0">
+            <a:spAutoFit/>
+          </a:bodyPr>
+          <a:lstStyle/>
+          <a:p>
+            <a:r>
+              <a:rPr lang="en-US" dirty="0" smtClean="0">
+                <a:solidFill>
+                  <a:schemeClr val="bg1"/>
+                </a:solidFill>
+                <a:latin typeface="Arial" panose="020B0604020202020204" pitchFamily="34" charset="0"/>
+                <a:cs typeface="Arial" panose="020B0604020202020204" pitchFamily="34" charset="0"/>
+              </a:rPr>
+              <a:t>An operator is </a:t>
+            </a:r>
+            <a:r>
+              <a:rPr lang="en-US" dirty="0" smtClean="0">
+                <a:solidFill>
+                  <a:schemeClr val="accent2"/>
+                </a:solidFill>
+                <a:latin typeface="Arial" panose="020B0604020202020204" pitchFamily="34" charset="0"/>
+                <a:cs typeface="Arial" panose="020B0604020202020204" pitchFamily="34" charset="0"/>
+              </a:rPr>
+              <a:t>ternary</a:t>
+            </a:r>
+            <a:r>
+              <a:rPr lang="en-US" dirty="0" smtClean="0">
+                <a:solidFill>
+                  <a:schemeClr val="bg1"/>
+                </a:solidFill>
+                <a:latin typeface="Arial" panose="020B0604020202020204" pitchFamily="34" charset="0"/>
+                <a:cs typeface="Arial" panose="020B0604020202020204" pitchFamily="34" charset="0"/>
+              </a:rPr>
+              <a:t> if it has </a:t>
+            </a:r>
+            <a:r>
+              <a:rPr lang="en-US" dirty="0" smtClean="0">
+                <a:solidFill>
+                  <a:schemeClr val="accent2"/>
+                </a:solidFill>
+                <a:latin typeface="Arial" panose="020B0604020202020204" pitchFamily="34" charset="0"/>
+                <a:cs typeface="Arial" panose="020B0604020202020204" pitchFamily="34" charset="0"/>
+              </a:rPr>
+              <a:t>three</a:t>
+            </a:r>
+            <a:r>
+              <a:rPr lang="en-US" dirty="0" smtClean="0">
+                <a:solidFill>
+                  <a:schemeClr val="bg1"/>
+                </a:solidFill>
+                <a:latin typeface="Arial" panose="020B0604020202020204" pitchFamily="34" charset="0"/>
+                <a:cs typeface="Arial" panose="020B0604020202020204" pitchFamily="34" charset="0"/>
+              </a:rPr>
+              <a:t> operands.</a:t>
+            </a:r>
+            <a:endParaRPr lang="uk-UA" dirty="0">
+              <a:solidFill>
+                <a:schemeClr val="bg1"/>
+              </a:solidFill>
+              <a:latin typeface="Arial" panose="020B0604020202020204" pitchFamily="34" charset="0"/>
+              <a:cs typeface="Arial" panose="020B0604020202020204" pitchFamily="34" charset="0"/>
+            </a:endParaRPr>
+          </a:p>
+        </p:txBody>
+      </p:sp>
+      <p:pic>
+        <p:nvPicPr>
+          <p:cNvPr id="6" name="Рисунок 5"/>
+          <p:cNvPicPr>
+            <a:picLocks noChangeAspect="1"/>
+          </p:cNvPicPr>
+          <p:nvPr/>
+        </p:nvPicPr>
+        <p:blipFill>
+          <a:blip r:embed="rId5"/>
+          <a:stretch>
+            <a:fillRect/>
+          </a:stretch>
+        </p:blipFill>
+        <p:spPr>
+          <a:xfrm>
+            <a:off x="685800" y="5589000"/>
+            <a:ext cx="4209585" cy="473418"/>
+          </a:xfrm>
+          <a:prstGeom prst="rect">
+            <a:avLst/>
+          </a:prstGeom>
         </p:spPr>
       </p:pic>
     </p:spTree>
@@ -25227,6 +25333,15 @@
 </file>
 
 <file path=customXml/item1.xml><?xml version="1.0" encoding="utf-8"?>
+<?mso-contentType ?>
+<FormTemplates xmlns="http://schemas.microsoft.com/sharepoint/v3/contenttype/forms">
+  <Display>DocumentLibraryForm</Display>
+  <Edit>DocumentLibraryForm</Edit>
+  <New>DocumentLibraryForm</New>
+</FormTemplates>
+</file>
+
+<file path=customXml/item2.xml><?xml version="1.0" encoding="utf-8"?>
 <ct:contentTypeSchema xmlns:ct="http://schemas.microsoft.com/office/2006/metadata/contentType" xmlns:ma="http://schemas.microsoft.com/office/2006/metadata/properties/metaAttributes" ct:_="" ma:_="" ma:contentTypeName="Document" ma:contentTypeID="0x0101004195FC54A15F344D83577B1CDDD67A5D" ma:contentTypeVersion="13" ma:contentTypeDescription="Create a new document." ma:contentTypeScope="" ma:versionID="30ded57c9b2156718eb8cc7b0e4246dc">
   <xsd:schema xmlns:xsd="http://www.w3.org/2001/XMLSchema" xmlns:xs="http://www.w3.org/2001/XMLSchema" xmlns:p="http://schemas.microsoft.com/office/2006/metadata/properties" xmlns:ns2="341e6018-ac0a-4dfb-8409-db9e0d25502e" xmlns:ns3="835f28f2-30f1-4728-84d2-86d96e143488" targetNamespace="http://schemas.microsoft.com/office/2006/metadata/properties" ma:root="true" ma:fieldsID="a0d1831635397921c92a19e568dfc949" ns2:_="" ns3:_="">
     <xsd:import namespace="341e6018-ac0a-4dfb-8409-db9e0d25502e"/>
@@ -25451,15 +25566,6 @@
 </ct:contentTypeSchema>
 </file>
 
-<file path=customXml/item2.xml><?xml version="1.0" encoding="utf-8"?>
-<?mso-contentType ?>
-<FormTemplates xmlns="http://schemas.microsoft.com/sharepoint/v3/contenttype/forms">
-  <Display>DocumentLibraryForm</Display>
-  <Edit>DocumentLibraryForm</Edit>
-  <New>DocumentLibraryForm</New>
-</FormTemplates>
-</file>
-
 <file path=customXml/item3.xml><?xml version="1.0" encoding="utf-8"?>
 <p:properties xmlns:p="http://schemas.microsoft.com/office/2006/metadata/properties" xmlns:xsi="http://www.w3.org/2001/XMLSchema-instance" xmlns:pc="http://schemas.microsoft.com/office/infopath/2007/PartnerControls">
   <documentManagement>
@@ -25469,6 +25575,14 @@
 </file>
 
 <file path=customXml/itemProps1.xml><?xml version="1.0" encoding="utf-8"?>
+<ds:datastoreItem xmlns:ds="http://schemas.openxmlformats.org/officeDocument/2006/customXml" ds:itemID="{296B3B9E-03D8-4766-BF45-6129617CF026}">
+  <ds:schemaRefs>
+    <ds:schemaRef ds:uri="http://schemas.microsoft.com/sharepoint/v3/contenttype/forms"/>
+  </ds:schemaRefs>
+</ds:datastoreItem>
+</file>
+
+<file path=customXml/itemProps2.xml><?xml version="1.0" encoding="utf-8"?>
 <ds:datastoreItem xmlns:ds="http://schemas.openxmlformats.org/officeDocument/2006/customXml" ds:itemID="{5BCFD5A9-9FF3-42E0-89D7-BF5BFC61DD60}">
   <ds:schemaRefs>
     <ds:schemaRef ds:uri="341e6018-ac0a-4dfb-8409-db9e0d25502e"/>
@@ -25483,14 +25597,6 @@
     <ds:schemaRef ds:uri="http://schemas.microsoft.com/office/infopath/2007/PartnerControls"/>
     <ds:schemaRef ds:uri="http://schemas.openxmlformats.org/package/2006/metadata/core-properties"/>
     <ds:schemaRef ds:uri="http://www.w3.org/2001/XMLSchema"/>
-  </ds:schemaRefs>
-</ds:datastoreItem>
-</file>
-
-<file path=customXml/itemProps2.xml><?xml version="1.0" encoding="utf-8"?>
-<ds:datastoreItem xmlns:ds="http://schemas.openxmlformats.org/officeDocument/2006/customXml" ds:itemID="{296B3B9E-03D8-4766-BF45-6129617CF026}">
-  <ds:schemaRefs>
-    <ds:schemaRef ds:uri="http://schemas.microsoft.com/sharepoint/v3/contenttype/forms"/>
   </ds:schemaRefs>
 </ds:datastoreItem>
 </file>
